--- a/DOCUMENTAÇÃO/FATEC_GAPS_ESTRUTURA_APRESENTACAO_PI_AVALIACAO2.pptx
+++ b/DOCUMENTAÇÃO/FATEC_GAPS_ESTRUTURA_APRESENTACAO_PI_AVALIACAO2.pptx
@@ -1080,7 +1080,7 @@
               <a:pPr>
                 <a:defRPr/>
               </a:pPr>
-              <a:t>25/11/2023</a:t>
+              <a:t>06/12/2023</a:t>
             </a:fld>
             <a:endParaRPr lang="pt-BR"/>
           </a:p>
@@ -4431,15 +4431,32 @@
               <a:defRPr/>
             </a:pPr>
             <a:r>
-              <a:rPr lang="pt-BR" altLang="pt-BR" sz="2800">
+              <a:rPr lang="pt-BR" altLang="pt-BR" sz="2800" dirty="0">
                 <a:solidFill>
                   <a:schemeClr val="accent5">
                     <a:lumMod val="50000"/>
                   </a:schemeClr>
                 </a:solidFill>
               </a:rPr>
-              <a:t>Retrospectiva dos Sprints</a:t>
-            </a:r>
+              <a:t>Retrospectiva dos </a:t>
+            </a:r>
+            <a:r>
+              <a:rPr lang="pt-BR" altLang="pt-BR" sz="2800" dirty="0" err="1">
+                <a:solidFill>
+                  <a:schemeClr val="accent5">
+                    <a:lumMod val="50000"/>
+                  </a:schemeClr>
+                </a:solidFill>
+              </a:rPr>
+              <a:t>Sprints</a:t>
+            </a:r>
+            <a:endParaRPr lang="pt-BR" altLang="pt-BR" sz="2800" dirty="0">
+              <a:solidFill>
+                <a:schemeClr val="accent5">
+                  <a:lumMod val="50000"/>
+                </a:schemeClr>
+              </a:solidFill>
+            </a:endParaRPr>
           </a:p>
         </p:txBody>
       </p:sp>
@@ -4463,26 +4480,53 @@
           <a:bodyPr/>
           <a:lstStyle/>
           <a:p>
+            <a:r>
+              <a:rPr lang="pt-BR" dirty="0" smtClean="0"/>
+              <a:t>O </a:t>
+            </a:r>
+            <a:r>
+              <a:rPr lang="pt-BR" dirty="0"/>
+              <a:t>que funcionou bem:</a:t>
+            </a:r>
+            <a:r>
+              <a:rPr lang="pt-BR" b="0" dirty="0"/>
+              <a:t> facilidade na parte de organização e com os feedbacks conseguimos ir melhorando e ajustando oque era necessário.</a:t>
+            </a:r>
+          </a:p>
+          <a:p>
+            <a:r>
+              <a:rPr lang="pt-BR" dirty="0"/>
+              <a:t>O que não funcionou tão bem:</a:t>
+            </a:r>
+            <a:r>
+              <a:rPr lang="pt-BR" b="0" dirty="0"/>
+              <a:t> a dificuldade de saber usar as ferramentas do processor de desenvolvimentos.</a:t>
+            </a:r>
+          </a:p>
+          <a:p>
+            <a:r>
+              <a:rPr lang="pt-BR" dirty="0"/>
+              <a:t>O que pode ser melhorado:</a:t>
+            </a:r>
+            <a:r>
+              <a:rPr lang="pt-BR" b="0" dirty="0"/>
+              <a:t> agora que já conhecemos melhores podemos aprofundamos mais nesse assuntos e nas ferramentas utilizada no desenvolvimento para facilita no próximo</a:t>
+            </a:r>
+          </a:p>
+          <a:p>
+            <a:r>
+              <a:rPr lang="pt-BR" b="0" dirty="0"/>
+              <a:t>projeto. </a:t>
+            </a:r>
+          </a:p>
+          <a:p>
             <a:pPr>
               <a:lnSpc>
                 <a:spcPct val="100000"/>
               </a:lnSpc>
               <a:defRPr/>
             </a:pPr>
-            <a:r>
-              <a:rPr lang="pt-BR"/>
-              <a:t>a</a:t>
-            </a:r>
-            <a:endParaRPr lang="pt-BR" b="0"/>
-          </a:p>
-          <a:p>
-            <a:pPr>
-              <a:lnSpc>
-                <a:spcPct val="100000"/>
-              </a:lnSpc>
-              <a:defRPr/>
-            </a:pPr>
-            <a:endParaRPr lang="pt-BR" b="0"/>
+            <a:endParaRPr lang="pt-BR" b="0" dirty="0"/>
           </a:p>
         </p:txBody>
       </p:sp>
@@ -4778,7 +4822,7 @@
               <a:defRPr/>
             </a:pPr>
             <a:r>
-              <a:rPr lang="pt-BR" altLang="pt-BR" sz="2800">
+              <a:rPr lang="pt-BR" altLang="pt-BR" sz="2800" dirty="0">
                 <a:solidFill>
                   <a:schemeClr val="accent5">
                     <a:lumMod val="50000"/>
@@ -4810,17 +4854,77 @@
           <a:bodyPr/>
           <a:lstStyle/>
           <a:p>
+            <a:r>
+              <a:rPr lang="pt-BR" dirty="0"/>
+              <a:t>Sucessos e conquistas:</a:t>
+            </a:r>
+            <a:r>
+              <a:rPr lang="pt-BR" b="0" dirty="0"/>
+              <a:t> </a:t>
+            </a:r>
+            <a:r>
+              <a:rPr lang="pt-BR" b="0" dirty="0"/>
+              <a:t>C</a:t>
+            </a:r>
+            <a:r>
+              <a:rPr lang="pt-BR" b="0" dirty="0" smtClean="0"/>
+              <a:t>onseguimos criar um sistema de controle de doação e ser a ponte entre as duas pontas desse projeto .</a:t>
+            </a:r>
+            <a:endParaRPr lang="pt-BR" b="0" dirty="0"/>
+          </a:p>
+          <a:p>
+            <a:r>
+              <a:rPr lang="pt-BR" dirty="0"/>
+              <a:t>Desafios e obstáculos:</a:t>
+            </a:r>
+            <a:r>
+              <a:rPr lang="pt-BR" b="0" dirty="0"/>
+              <a:t> </a:t>
+            </a:r>
+            <a:r>
+              <a:rPr lang="pt-BR" b="0" dirty="0" smtClean="0"/>
+              <a:t>Tivermos dificuldade na comunicação entre nos membro da equipes e na dificuldades na utilização das ferramentas do projetos.</a:t>
+            </a:r>
+            <a:endParaRPr lang="pt-BR" b="0" dirty="0"/>
+          </a:p>
+          <a:p>
+            <a:r>
+              <a:rPr lang="pt-BR" dirty="0"/>
+              <a:t>Aprendizados e melhorias</a:t>
+            </a:r>
+            <a:r>
+              <a:rPr lang="pt-BR" dirty="0" smtClean="0"/>
+              <a:t>:</a:t>
+            </a:r>
+            <a:r>
+              <a:rPr lang="pt-BR" b="0" dirty="0" smtClean="0"/>
+              <a:t>  Saímos com um conhecimentos maior do que quanto entramos pois por causa da escolhas de ferramenta e das dificuldades que passamos conseguir sair que um conhecimentos novo sobre o assunto em questão.</a:t>
+            </a:r>
+            <a:endParaRPr lang="pt-BR" b="0" dirty="0"/>
+          </a:p>
+          <a:p>
+            <a:r>
+              <a:rPr lang="pt-BR" dirty="0"/>
+              <a:t>Recomendações para próximos projetos</a:t>
+            </a:r>
+            <a:r>
+              <a:rPr lang="pt-BR" dirty="0" smtClean="0"/>
+              <a:t>:</a:t>
+            </a:r>
+            <a:r>
+              <a:rPr lang="pt-BR" b="0" dirty="0" smtClean="0"/>
+              <a:t> Pegamos tudo que aprendemos nesses meses de projeto e implantar nos próximos projetos e não e não esquecer das dificuldades que passamos para que não caímos nelas e novo e se caímos saberemos lidar mais fácil com elas.</a:t>
+            </a:r>
+            <a:endParaRPr lang="pt-BR" b="0" dirty="0"/>
+          </a:p>
+          <a:p>
             <a:pPr>
               <a:lnSpc>
                 <a:spcPct val="100000"/>
               </a:lnSpc>
               <a:defRPr/>
             </a:pPr>
-            <a:r>
-              <a:rPr lang="pt-BR"/>
-              <a:t>a</a:t>
-            </a:r>
-            <a:endParaRPr lang="pt-BR" b="0"/>
+            <a:endParaRPr lang="pt-BR" b="0" dirty="0"/>
           </a:p>
           <a:p>
             <a:pPr>
@@ -4829,7 +4933,7 @@
               </a:lnSpc>
               <a:defRPr/>
             </a:pPr>
-            <a:endParaRPr lang="pt-BR" b="0"/>
+            <a:endParaRPr lang="pt-BR" b="0" dirty="0"/>
           </a:p>
         </p:txBody>
       </p:sp>
@@ -8225,12 +8329,6 @@
 </file>
 
 <file path=customXml/item1.xml><?xml version="1.0" encoding="utf-8"?>
-<p:properties xmlns:p="http://schemas.microsoft.com/office/2006/metadata/properties" xmlns:xsi="http://www.w3.org/2001/XMLSchema-instance" xmlns:pc="http://schemas.microsoft.com/office/infopath/2007/PartnerControls">
-  <documentManagement/>
-</p:properties>
-</file>
-
-<file path=customXml/item2.xml><?xml version="1.0" encoding="utf-8"?>
 <ct:contentTypeSchema xmlns:ct="http://schemas.microsoft.com/office/2006/metadata/contentType" xmlns:ma="http://schemas.microsoft.com/office/2006/metadata/properties/metaAttributes" ct:_="" ma:_="" ma:contentTypeName="Documento" ma:contentTypeID="0x010100D0C630720877804085B64E2AFD8EDC0A" ma:contentTypeVersion="6" ma:contentTypeDescription="Crie um novo documento." ma:contentTypeScope="" ma:versionID="e8c6ac86e267ca08679db49fdf28188a">
   <xsd:schema xmlns:xsd="http://www.w3.org/2001/XMLSchema" xmlns:xs="http://www.w3.org/2001/XMLSchema" xmlns:p="http://schemas.microsoft.com/office/2006/metadata/properties" xmlns:ns2="729e207e-9423-4410-a69a-b9f6fb3b8356" xmlns:ns3="d1fbc0df-76ed-431d-b01e-356f057f67f7" targetNamespace="http://schemas.microsoft.com/office/2006/metadata/properties" ma:root="true" ma:fieldsID="96305afc6b4866ceab577b9513cf8e23" ns2:_="" ns3:_="">
     <xsd:import namespace="729e207e-9423-4410-a69a-b9f6fb3b8356"/>
@@ -8407,6 +8505,12 @@
 </ct:contentTypeSchema>
 </file>
 
+<file path=customXml/item2.xml><?xml version="1.0" encoding="utf-8"?>
+<p:properties xmlns:p="http://schemas.microsoft.com/office/2006/metadata/properties" xmlns:xsi="http://www.w3.org/2001/XMLSchema-instance" xmlns:pc="http://schemas.microsoft.com/office/infopath/2007/PartnerControls">
+  <documentManagement/>
+</p:properties>
+</file>
+
 <file path=customXml/item3.xml><?xml version="1.0" encoding="utf-8"?>
 <?mso-contentType ?>
 <FormTemplates xmlns="http://schemas.microsoft.com/sharepoint/v3/contenttype/forms">
@@ -8417,23 +8521,6 @@
 </file>
 
 <file path=customXml/itemProps1.xml><?xml version="1.0" encoding="utf-8"?>
-<ds:datastoreItem xmlns:ds="http://schemas.openxmlformats.org/officeDocument/2006/customXml" ds:itemID="{713943CB-CEDE-4551-83ED-163F8998365D}">
-  <ds:schemaRefs>
-    <ds:schemaRef ds:uri="http://purl.org/dc/terms/"/>
-    <ds:schemaRef ds:uri="http://purl.org/dc/elements/1.1/"/>
-    <ds:schemaRef ds:uri="http://schemas.openxmlformats.org/package/2006/metadata/core-properties"/>
-    <ds:schemaRef ds:uri="d1fbc0df-76ed-431d-b01e-356f057f67f7"/>
-    <ds:schemaRef ds:uri="http://purl.org/dc/dcmitype/"/>
-    <ds:schemaRef ds:uri="http://schemas.microsoft.com/office/2006/documentManagement/types"/>
-    <ds:schemaRef ds:uri="729e207e-9423-4410-a69a-b9f6fb3b8356"/>
-    <ds:schemaRef ds:uri="http://schemas.microsoft.com/office/infopath/2007/PartnerControls"/>
-    <ds:schemaRef ds:uri="http://schemas.microsoft.com/office/2006/metadata/properties"/>
-    <ds:schemaRef ds:uri="http://www.w3.org/XML/1998/namespace"/>
-  </ds:schemaRefs>
-</ds:datastoreItem>
-</file>
-
-<file path=customXml/itemProps2.xml><?xml version="1.0" encoding="utf-8"?>
 <ds:datastoreItem xmlns:ds="http://schemas.openxmlformats.org/officeDocument/2006/customXml" ds:itemID="{AC46518A-5821-4290-AB28-0BCA999FB036}">
   <ds:schemaRefs>
     <ds:schemaRef ds:uri="729e207e-9423-4410-a69a-b9f6fb3b8356"/>
@@ -8452,6 +8539,23 @@
 </ds:datastoreItem>
 </file>
 
+<file path=customXml/itemProps2.xml><?xml version="1.0" encoding="utf-8"?>
+<ds:datastoreItem xmlns:ds="http://schemas.openxmlformats.org/officeDocument/2006/customXml" ds:itemID="{713943CB-CEDE-4551-83ED-163F8998365D}">
+  <ds:schemaRefs>
+    <ds:schemaRef ds:uri="http://schemas.microsoft.com/office/2006/documentManagement/types"/>
+    <ds:schemaRef ds:uri="d1fbc0df-76ed-431d-b01e-356f057f67f7"/>
+    <ds:schemaRef ds:uri="http://purl.org/dc/elements/1.1/"/>
+    <ds:schemaRef ds:uri="http://schemas.openxmlformats.org/package/2006/metadata/core-properties"/>
+    <ds:schemaRef ds:uri="http://schemas.microsoft.com/office/infopath/2007/PartnerControls"/>
+    <ds:schemaRef ds:uri="http://purl.org/dc/terms/"/>
+    <ds:schemaRef ds:uri="729e207e-9423-4410-a69a-b9f6fb3b8356"/>
+    <ds:schemaRef ds:uri="http://schemas.microsoft.com/office/2006/metadata/properties"/>
+    <ds:schemaRef ds:uri="http://www.w3.org/XML/1998/namespace"/>
+    <ds:schemaRef ds:uri="http://purl.org/dc/dcmitype/"/>
+  </ds:schemaRefs>
+</ds:datastoreItem>
+</file>
+
 <file path=customXml/itemProps3.xml><?xml version="1.0" encoding="utf-8"?>
 <ds:datastoreItem xmlns:ds="http://schemas.openxmlformats.org/officeDocument/2006/customXml" ds:itemID="{F23C26AB-36EE-4D63-B869-C968FDBAD66C}">
   <ds:schemaRefs>
